--- a/9.Middleware/Middleware.pptx
+++ b/9.Middleware/Middleware.pptx
@@ -19711,7 +19711,7 @@
         <p:spPr>
           <a:xfrm>
             <a:off x="406550" y="2285828"/>
-            <a:ext cx="7719600" cy="1709124"/>
+            <a:ext cx="7719600" cy="1034421"/>
           </a:xfrm>
           <a:prstGeom prst="rect">
             <a:avLst/>
